--- a/Study/2. MVVM_181207.pptx
+++ b/Study/2. MVVM_181207.pptx
@@ -204,7 +204,7 @@
           <a:p>
             <a:fld id="{8DD9E706-E0BA-4FBD-AF15-9E3682821587}" type="datetimeFigureOut">
               <a:rPr lang="ko-KR" altLang="en-US" smtClean="0"/>
-              <a:t>2018-12-07</a:t>
+              <a:t>2018-12-12</a:t>
             </a:fld>
             <a:endParaRPr lang="ko-KR" altLang="en-US"/>
           </a:p>
@@ -887,42 +887,15 @@
             <a:pPr marL="0" indent="0">
               <a:buNone/>
             </a:pPr>
-            <a:r>
-              <a:rPr lang="en-US" altLang="ko-KR" sz="1200" b="0" i="0" kern="1200" dirty="0" err="1">
-                <a:solidFill>
-                  <a:schemeClr val="tx1"/>
-                </a:solidFill>
-                <a:effectLst/>
-                <a:latin typeface="+mn-lt"/>
-                <a:ea typeface="+mn-ea"/>
-                <a:cs typeface="+mn-cs"/>
-              </a:rPr>
-              <a:t>ViewModel</a:t>
-            </a:r>
-            <a:r>
-              <a:rPr lang="ko-KR" altLang="en-US" sz="1200" b="0" i="0" kern="1200" dirty="0">
-                <a:solidFill>
-                  <a:schemeClr val="tx1"/>
-                </a:solidFill>
-                <a:effectLst/>
-                <a:latin typeface="+mn-lt"/>
-                <a:ea typeface="+mn-ea"/>
-                <a:cs typeface="+mn-cs"/>
-              </a:rPr>
-              <a:t>은 추상적이다</a:t>
-            </a:r>
-            <a:r>
-              <a:rPr lang="en-US" altLang="ko-KR" sz="1200" b="0" i="0" kern="1200" dirty="0">
-                <a:solidFill>
-                  <a:schemeClr val="tx1"/>
-                </a:solidFill>
-                <a:effectLst/>
-                <a:latin typeface="+mn-lt"/>
-                <a:ea typeface="+mn-ea"/>
-                <a:cs typeface="+mn-cs"/>
-              </a:rPr>
-              <a:t>.</a:t>
-            </a:r>
+            <a:endParaRPr lang="en-US" altLang="ko-KR" sz="1200" b="0" i="0" kern="1200" dirty="0">
+              <a:solidFill>
+                <a:schemeClr val="tx1"/>
+              </a:solidFill>
+              <a:effectLst/>
+              <a:latin typeface="+mn-lt"/>
+              <a:ea typeface="+mn-ea"/>
+              <a:cs typeface="+mn-cs"/>
+            </a:endParaRPr>
           </a:p>
         </p:txBody>
       </p:sp>
@@ -1394,7 +1367,7 @@
           <a:p>
             <a:fld id="{46A2558D-9475-4DD4-8F32-96381613298F}" type="datetimeFigureOut">
               <a:rPr lang="ko-KR" altLang="en-US" smtClean="0"/>
-              <a:t>2018-12-07</a:t>
+              <a:t>2018-12-12</a:t>
             </a:fld>
             <a:endParaRPr lang="ko-KR" altLang="en-US"/>
           </a:p>
@@ -1592,7 +1565,7 @@
           <a:p>
             <a:fld id="{46A2558D-9475-4DD4-8F32-96381613298F}" type="datetimeFigureOut">
               <a:rPr lang="ko-KR" altLang="en-US" smtClean="0"/>
-              <a:t>2018-12-07</a:t>
+              <a:t>2018-12-12</a:t>
             </a:fld>
             <a:endParaRPr lang="ko-KR" altLang="en-US"/>
           </a:p>
@@ -1800,7 +1773,7 @@
           <a:p>
             <a:fld id="{46A2558D-9475-4DD4-8F32-96381613298F}" type="datetimeFigureOut">
               <a:rPr lang="ko-KR" altLang="en-US" smtClean="0"/>
-              <a:t>2018-12-07</a:t>
+              <a:t>2018-12-12</a:t>
             </a:fld>
             <a:endParaRPr lang="ko-KR" altLang="en-US"/>
           </a:p>
@@ -1998,7 +1971,7 @@
           <a:p>
             <a:fld id="{46A2558D-9475-4DD4-8F32-96381613298F}" type="datetimeFigureOut">
               <a:rPr lang="ko-KR" altLang="en-US" smtClean="0"/>
-              <a:t>2018-12-07</a:t>
+              <a:t>2018-12-12</a:t>
             </a:fld>
             <a:endParaRPr lang="ko-KR" altLang="en-US"/>
           </a:p>
@@ -2273,7 +2246,7 @@
           <a:p>
             <a:fld id="{46A2558D-9475-4DD4-8F32-96381613298F}" type="datetimeFigureOut">
               <a:rPr lang="ko-KR" altLang="en-US" smtClean="0"/>
-              <a:t>2018-12-07</a:t>
+              <a:t>2018-12-12</a:t>
             </a:fld>
             <a:endParaRPr lang="ko-KR" altLang="en-US"/>
           </a:p>
@@ -2538,7 +2511,7 @@
           <a:p>
             <a:fld id="{46A2558D-9475-4DD4-8F32-96381613298F}" type="datetimeFigureOut">
               <a:rPr lang="ko-KR" altLang="en-US" smtClean="0"/>
-              <a:t>2018-12-07</a:t>
+              <a:t>2018-12-12</a:t>
             </a:fld>
             <a:endParaRPr lang="ko-KR" altLang="en-US"/>
           </a:p>
@@ -2950,7 +2923,7 @@
           <a:p>
             <a:fld id="{46A2558D-9475-4DD4-8F32-96381613298F}" type="datetimeFigureOut">
               <a:rPr lang="ko-KR" altLang="en-US" smtClean="0"/>
-              <a:t>2018-12-07</a:t>
+              <a:t>2018-12-12</a:t>
             </a:fld>
             <a:endParaRPr lang="ko-KR" altLang="en-US"/>
           </a:p>
@@ -3091,7 +3064,7 @@
           <a:p>
             <a:fld id="{46A2558D-9475-4DD4-8F32-96381613298F}" type="datetimeFigureOut">
               <a:rPr lang="ko-KR" altLang="en-US" smtClean="0"/>
-              <a:t>2018-12-07</a:t>
+              <a:t>2018-12-12</a:t>
             </a:fld>
             <a:endParaRPr lang="ko-KR" altLang="en-US"/>
           </a:p>
@@ -3204,7 +3177,7 @@
           <a:p>
             <a:fld id="{46A2558D-9475-4DD4-8F32-96381613298F}" type="datetimeFigureOut">
               <a:rPr lang="ko-KR" altLang="en-US" smtClean="0"/>
-              <a:t>2018-12-07</a:t>
+              <a:t>2018-12-12</a:t>
             </a:fld>
             <a:endParaRPr lang="ko-KR" altLang="en-US"/>
           </a:p>
@@ -3515,7 +3488,7 @@
           <a:p>
             <a:fld id="{46A2558D-9475-4DD4-8F32-96381613298F}" type="datetimeFigureOut">
               <a:rPr lang="ko-KR" altLang="en-US" smtClean="0"/>
-              <a:t>2018-12-07</a:t>
+              <a:t>2018-12-12</a:t>
             </a:fld>
             <a:endParaRPr lang="ko-KR" altLang="en-US"/>
           </a:p>
@@ -3803,7 +3776,7 @@
           <a:p>
             <a:fld id="{46A2558D-9475-4DD4-8F32-96381613298F}" type="datetimeFigureOut">
               <a:rPr lang="ko-KR" altLang="en-US" smtClean="0"/>
-              <a:t>2018-12-07</a:t>
+              <a:t>2018-12-12</a:t>
             </a:fld>
             <a:endParaRPr lang="ko-KR" altLang="en-US"/>
           </a:p>
@@ -4044,7 +4017,7 @@
           <a:p>
             <a:fld id="{46A2558D-9475-4DD4-8F32-96381613298F}" type="datetimeFigureOut">
               <a:rPr lang="ko-KR" altLang="en-US" smtClean="0"/>
-              <a:t>2018-12-07</a:t>
+              <a:t>2018-12-12</a:t>
             </a:fld>
             <a:endParaRPr lang="ko-KR" altLang="en-US"/>
           </a:p>
